--- a/7. Javascript/Slides/JS Arrays und Objekte.pptx
+++ b/7. Javascript/Slides/JS Arrays und Objekte.pptx
@@ -17,13 +17,13 @@
     <p:sldId id="409" r:id="rId11"/>
     <p:sldId id="410" r:id="rId12"/>
     <p:sldId id="411" r:id="rId13"/>
-    <p:sldId id="412" r:id="rId14"/>
-    <p:sldId id="408" r:id="rId15"/>
-    <p:sldId id="293" r:id="rId16"/>
-    <p:sldId id="377" r:id="rId17"/>
-    <p:sldId id="378" r:id="rId18"/>
-    <p:sldId id="379" r:id="rId19"/>
-    <p:sldId id="404" r:id="rId20"/>
+    <p:sldId id="408" r:id="rId14"/>
+    <p:sldId id="293" r:id="rId15"/>
+    <p:sldId id="377" r:id="rId16"/>
+    <p:sldId id="378" r:id="rId17"/>
+    <p:sldId id="379" r:id="rId18"/>
+    <p:sldId id="404" r:id="rId19"/>
+    <p:sldId id="412" r:id="rId20"/>
     <p:sldId id="406" r:id="rId21"/>
     <p:sldId id="407" r:id="rId22"/>
     <p:sldId id="292" r:id="rId23"/>
@@ -284,7 +284,7 @@
           <a:p>
             <a:fld id="{B6D41BCC-AD73-4203-A5A6-E62EB28B0FE6}" type="datetimeFigureOut">
               <a:rPr lang="en-US" smtClean="0"/>
-              <a:t>11/14/2023</a:t>
+              <a:t>12/17/2024</a:t>
             </a:fld>
             <a:endParaRPr lang="en-US"/>
           </a:p>
@@ -492,7 +492,7 @@
           <a:p>
             <a:fld id="{B6D41BCC-AD73-4203-A5A6-E62EB28B0FE6}" type="datetimeFigureOut">
               <a:rPr lang="en-US" smtClean="0"/>
-              <a:t>11/14/2023</a:t>
+              <a:t>12/17/2024</a:t>
             </a:fld>
             <a:endParaRPr lang="en-US"/>
           </a:p>
@@ -700,7 +700,7 @@
           <a:p>
             <a:fld id="{B6D41BCC-AD73-4203-A5A6-E62EB28B0FE6}" type="datetimeFigureOut">
               <a:rPr lang="en-US" smtClean="0"/>
-              <a:t>11/14/2023</a:t>
+              <a:t>12/17/2024</a:t>
             </a:fld>
             <a:endParaRPr lang="en-US"/>
           </a:p>
@@ -898,7 +898,7 @@
           <a:p>
             <a:fld id="{B6D41BCC-AD73-4203-A5A6-E62EB28B0FE6}" type="datetimeFigureOut">
               <a:rPr lang="en-US" smtClean="0"/>
-              <a:t>11/14/2023</a:t>
+              <a:t>12/17/2024</a:t>
             </a:fld>
             <a:endParaRPr lang="en-US"/>
           </a:p>
@@ -1307,7 +1307,7 @@
           <a:p>
             <a:fld id="{B6D41BCC-AD73-4203-A5A6-E62EB28B0FE6}" type="datetimeFigureOut">
               <a:rPr lang="en-US" smtClean="0"/>
-              <a:t>11/14/2023</a:t>
+              <a:t>12/17/2024</a:t>
             </a:fld>
             <a:endParaRPr lang="en-US"/>
           </a:p>
@@ -1577,7 +1577,7 @@
           <a:p>
             <a:fld id="{B6D41BCC-AD73-4203-A5A6-E62EB28B0FE6}" type="datetimeFigureOut">
               <a:rPr lang="en-US" smtClean="0"/>
-              <a:t>11/14/2023</a:t>
+              <a:t>12/17/2024</a:t>
             </a:fld>
             <a:endParaRPr lang="en-US"/>
           </a:p>
@@ -1993,7 +1993,7 @@
           <a:p>
             <a:fld id="{B6D41BCC-AD73-4203-A5A6-E62EB28B0FE6}" type="datetimeFigureOut">
               <a:rPr lang="en-US" smtClean="0"/>
-              <a:t>11/14/2023</a:t>
+              <a:t>12/17/2024</a:t>
             </a:fld>
             <a:endParaRPr lang="en-US"/>
           </a:p>
@@ -2134,7 +2134,7 @@
           <a:p>
             <a:fld id="{B6D41BCC-AD73-4203-A5A6-E62EB28B0FE6}" type="datetimeFigureOut">
               <a:rPr lang="en-US" smtClean="0"/>
-              <a:t>11/14/2023</a:t>
+              <a:t>12/17/2024</a:t>
             </a:fld>
             <a:endParaRPr lang="en-US"/>
           </a:p>
@@ -2247,7 +2247,7 @@
           <a:p>
             <a:fld id="{B6D41BCC-AD73-4203-A5A6-E62EB28B0FE6}" type="datetimeFigureOut">
               <a:rPr lang="en-US" smtClean="0"/>
-              <a:t>11/14/2023</a:t>
+              <a:t>12/17/2024</a:t>
             </a:fld>
             <a:endParaRPr lang="en-US"/>
           </a:p>
@@ -2573,7 +2573,7 @@
           <a:p>
             <a:fld id="{B6D41BCC-AD73-4203-A5A6-E62EB28B0FE6}" type="datetimeFigureOut">
               <a:rPr lang="en-US" smtClean="0"/>
-              <a:t>11/14/2023</a:t>
+              <a:t>12/17/2024</a:t>
             </a:fld>
             <a:endParaRPr lang="en-US"/>
           </a:p>
@@ -2861,7 +2861,7 @@
           <a:p>
             <a:fld id="{B6D41BCC-AD73-4203-A5A6-E62EB28B0FE6}" type="datetimeFigureOut">
               <a:rPr lang="en-US" smtClean="0"/>
-              <a:t>11/14/2023</a:t>
+              <a:t>12/17/2024</a:t>
             </a:fld>
             <a:endParaRPr lang="en-US"/>
           </a:p>
@@ -3101,7 +3101,7 @@
             <a:fld id="{B6D41BCC-AD73-4203-A5A6-E62EB28B0FE6}" type="datetimeFigureOut">
               <a:rPr lang="en-US" smtClean="0"/>
               <a:pPr/>
-              <a:t>11/14/2023</a:t>
+              <a:t>12/17/2024</a:t>
             </a:fld>
             <a:endParaRPr lang="en-US"/>
           </a:p>
@@ -5416,235 +5416,6 @@
 <file path=ppt/slides/slide13.xml><?xml version="1.0" encoding="utf-8"?>
 <p:sld xmlns:a="http://schemas.openxmlformats.org/drawingml/2006/main" xmlns:r="http://schemas.openxmlformats.org/officeDocument/2006/relationships" xmlns:p="http://schemas.openxmlformats.org/presentationml/2006/main">
   <p:cSld>
-    <p:spTree>
-      <p:nvGrpSpPr>
-        <p:cNvPr id="1" name=""/>
-        <p:cNvGrpSpPr/>
-        <p:nvPr/>
-      </p:nvGrpSpPr>
-      <p:grpSpPr>
-        <a:xfrm>
-          <a:off x="0" y="0"/>
-          <a:ext cx="0" cy="0"/>
-          <a:chOff x="0" y="0"/>
-          <a:chExt cx="0" cy="0"/>
-        </a:xfrm>
-      </p:grpSpPr>
-      <p:sp>
-        <p:nvSpPr>
-          <p:cNvPr id="2" name="Titel 1">
-            <a:extLst>
-              <a:ext uri="{FF2B5EF4-FFF2-40B4-BE49-F238E27FC236}">
-                <a16:creationId xmlns:a16="http://schemas.microsoft.com/office/drawing/2014/main" id="{761EBB4E-B0D7-D063-22CC-B86BE9151634}"/>
-              </a:ext>
-            </a:extLst>
-          </p:cNvPr>
-          <p:cNvSpPr>
-            <a:spLocks noGrp="1"/>
-          </p:cNvSpPr>
-          <p:nvPr>
-            <p:ph type="title"/>
-          </p:nvPr>
-        </p:nvSpPr>
-        <p:spPr>
-          <a:xfrm>
-            <a:off x="1089426" y="690773"/>
-            <a:ext cx="8915402" cy="1371600"/>
-          </a:xfrm>
-        </p:spPr>
-        <p:txBody>
-          <a:bodyPr/>
-          <a:lstStyle/>
-          <a:p>
-            <a:r>
-              <a:rPr lang="de-AT" dirty="0"/>
-              <a:t>Übung zu Array Methoden „Rangliste“</a:t>
-            </a:r>
-          </a:p>
-        </p:txBody>
-      </p:sp>
-      <p:sp>
-        <p:nvSpPr>
-          <p:cNvPr id="3" name="Inhaltsplatzhalter 2">
-            <a:extLst>
-              <a:ext uri="{FF2B5EF4-FFF2-40B4-BE49-F238E27FC236}">
-                <a16:creationId xmlns:a16="http://schemas.microsoft.com/office/drawing/2014/main" id="{186E00EF-F784-0D95-4D63-29339C897CE0}"/>
-              </a:ext>
-            </a:extLst>
-          </p:cNvPr>
-          <p:cNvSpPr>
-            <a:spLocks noGrp="1"/>
-          </p:cNvSpPr>
-          <p:nvPr>
-            <p:ph idx="1"/>
-          </p:nvPr>
-        </p:nvSpPr>
-        <p:spPr>
-          <a:xfrm>
-            <a:off x="906011" y="2057400"/>
-            <a:ext cx="7491369" cy="4137259"/>
-          </a:xfrm>
-        </p:spPr>
-        <p:txBody>
-          <a:bodyPr>
-            <a:normAutofit fontScale="92500" lnSpcReduction="10000"/>
-          </a:bodyPr>
-          <a:lstStyle/>
-          <a:p>
-            <a:r>
-              <a:rPr lang="de-AT" dirty="0"/>
-              <a:t>Verwende die </a:t>
-            </a:r>
-            <a:r>
-              <a:rPr lang="de-AT" dirty="0" err="1"/>
-              <a:t>forEach</a:t>
-            </a:r>
-            <a:r>
-              <a:rPr lang="de-AT" dirty="0"/>
-              <a:t>-Methode, um jeden Teilnehmer und seine Punktzahl auszugeben.</a:t>
-            </a:r>
-          </a:p>
-          <a:p>
-            <a:r>
-              <a:rPr lang="de-AT" dirty="0"/>
-              <a:t>Verwende die </a:t>
-            </a:r>
-            <a:r>
-              <a:rPr lang="de-AT" dirty="0" err="1"/>
-              <a:t>map</a:t>
-            </a:r>
-            <a:r>
-              <a:rPr lang="de-AT" dirty="0"/>
-              <a:t>-Methode, um ein neues Array zu erstellen, das nur die Namen der Teilnehmer enthält.</a:t>
-            </a:r>
-          </a:p>
-          <a:p>
-            <a:r>
-              <a:rPr lang="de-AT" dirty="0"/>
-              <a:t>Verwende die filter-Methode, um ein neues Array zu erstellen, das nur die Teilnehmer enthält, die mehr als 100 Punkte haben.</a:t>
-            </a:r>
-          </a:p>
-          <a:p>
-            <a:r>
-              <a:rPr lang="de-AT" dirty="0"/>
-              <a:t>Verwende die </a:t>
-            </a:r>
-            <a:r>
-              <a:rPr lang="de-AT" dirty="0" err="1"/>
-              <a:t>sort</a:t>
-            </a:r>
-            <a:r>
-              <a:rPr lang="de-AT" dirty="0"/>
-              <a:t>-Methode, um die Liste der Teilnehmer nach ihren Punktzahlen zu sortieren (aufsteigend).</a:t>
-            </a:r>
-          </a:p>
-          <a:p>
-            <a:r>
-              <a:rPr lang="de-AT" dirty="0"/>
-              <a:t>Verwende die reverse-Methode, um die Liste in absteigender Reihenfolge zu sortieren.</a:t>
-            </a:r>
-          </a:p>
-          <a:p>
-            <a:r>
-              <a:rPr lang="de-AT" dirty="0"/>
-              <a:t>Gib die sortierte Rangliste aus, die sowohl den Namen als auch die Punktzahl jedes Teilnehmers enthält.</a:t>
-            </a:r>
-          </a:p>
-        </p:txBody>
-      </p:sp>
-      <p:pic>
-        <p:nvPicPr>
-          <p:cNvPr id="3083" name="Picture 11" descr="Leaderboard Images – Browse 58,207 Stock Photos, Vectors, and Video | Adobe  Stock">
-            <a:extLst>
-              <a:ext uri="{FF2B5EF4-FFF2-40B4-BE49-F238E27FC236}">
-                <a16:creationId xmlns:a16="http://schemas.microsoft.com/office/drawing/2014/main" id="{86100648-A41D-3752-3551-4ACE1189BE43}"/>
-              </a:ext>
-            </a:extLst>
-          </p:cNvPr>
-          <p:cNvPicPr>
-            <a:picLocks noChangeAspect="1" noChangeArrowheads="1"/>
-          </p:cNvPicPr>
-          <p:nvPr/>
-        </p:nvPicPr>
-        <p:blipFill>
-          <a:blip r:embed="rId2">
-            <a:extLst>
-              <a:ext uri="{28A0092B-C50C-407E-A947-70E740481C1C}">
-                <a14:useLocalDpi xmlns:a14="http://schemas.microsoft.com/office/drawing/2010/main" val="0"/>
-              </a:ext>
-            </a:extLst>
-          </a:blip>
-          <a:srcRect/>
-          <a:stretch>
-            <a:fillRect/>
-          </a:stretch>
-        </p:blipFill>
-        <p:spPr bwMode="auto">
-          <a:xfrm>
-            <a:off x="8571116" y="3429000"/>
-            <a:ext cx="2935224" cy="2935224"/>
-          </a:xfrm>
-          <a:prstGeom prst="rect">
-            <a:avLst/>
-          </a:prstGeom>
-          <a:noFill/>
-          <a:extLst>
-            <a:ext uri="{909E8E84-426E-40DD-AFC4-6F175D3DCCD1}">
-              <a14:hiddenFill xmlns:a14="http://schemas.microsoft.com/office/drawing/2010/main">
-                <a:solidFill>
-                  <a:srgbClr val="FFFFFF"/>
-                </a:solidFill>
-              </a14:hiddenFill>
-            </a:ext>
-          </a:extLst>
-        </p:spPr>
-      </p:pic>
-      <p:pic>
-        <p:nvPicPr>
-          <p:cNvPr id="7" name="Grafik 6">
-            <a:extLst>
-              <a:ext uri="{FF2B5EF4-FFF2-40B4-BE49-F238E27FC236}">
-                <a16:creationId xmlns:a16="http://schemas.microsoft.com/office/drawing/2014/main" id="{EA4B9EE0-7F22-F187-AAF9-B54E5FF1693A}"/>
-              </a:ext>
-            </a:extLst>
-          </p:cNvPr>
-          <p:cNvPicPr>
-            <a:picLocks noChangeAspect="1"/>
-          </p:cNvPicPr>
-          <p:nvPr/>
-        </p:nvPicPr>
-        <p:blipFill>
-          <a:blip r:embed="rId3"/>
-          <a:stretch>
-            <a:fillRect/>
-          </a:stretch>
-        </p:blipFill>
-        <p:spPr>
-          <a:xfrm>
-            <a:off x="8571116" y="2057400"/>
-            <a:ext cx="2867425" cy="1657581"/>
-          </a:xfrm>
-          <a:prstGeom prst="rect">
-            <a:avLst/>
-          </a:prstGeom>
-        </p:spPr>
-      </p:pic>
-    </p:spTree>
-    <p:extLst>
-      <p:ext uri="{BB962C8B-B14F-4D97-AF65-F5344CB8AC3E}">
-        <p14:creationId xmlns:p14="http://schemas.microsoft.com/office/powerpoint/2010/main" val="2615312912"/>
-      </p:ext>
-    </p:extLst>
-  </p:cSld>
-  <p:clrMapOvr>
-    <a:masterClrMapping/>
-  </p:clrMapOvr>
-</p:sld>
-</file>
-
-<file path=ppt/slides/slide14.xml><?xml version="1.0" encoding="utf-8"?>
-<p:sld xmlns:a="http://schemas.openxmlformats.org/drawingml/2006/main" xmlns:r="http://schemas.openxmlformats.org/officeDocument/2006/relationships" xmlns:p="http://schemas.openxmlformats.org/presentationml/2006/main">
-  <p:cSld>
     <p:bg>
       <p:bgPr>
         <a:solidFill>
@@ -5984,7 +5755,7 @@
 </p:sld>
 </file>
 
-<file path=ppt/slides/slide15.xml><?xml version="1.0" encoding="utf-8"?>
+<file path=ppt/slides/slide14.xml><?xml version="1.0" encoding="utf-8"?>
 <p:sld xmlns:a="http://schemas.openxmlformats.org/drawingml/2006/main" xmlns:r="http://schemas.openxmlformats.org/officeDocument/2006/relationships" xmlns:p="http://schemas.openxmlformats.org/presentationml/2006/main">
   <p:cSld>
     <p:spTree>
@@ -6563,7 +6334,7 @@
 </p:sld>
 </file>
 
-<file path=ppt/slides/slide16.xml><?xml version="1.0" encoding="utf-8"?>
+<file path=ppt/slides/slide15.xml><?xml version="1.0" encoding="utf-8"?>
 <p:sld xmlns:a="http://schemas.openxmlformats.org/drawingml/2006/main" xmlns:r="http://schemas.openxmlformats.org/officeDocument/2006/relationships" xmlns:p="http://schemas.openxmlformats.org/presentationml/2006/main">
   <p:cSld>
     <p:spTree>
@@ -6732,7 +6503,7 @@
 </p:sld>
 </file>
 
-<file path=ppt/slides/slide17.xml><?xml version="1.0" encoding="utf-8"?>
+<file path=ppt/slides/slide16.xml><?xml version="1.0" encoding="utf-8"?>
 <p:sld xmlns:a="http://schemas.openxmlformats.org/drawingml/2006/main" xmlns:r="http://schemas.openxmlformats.org/officeDocument/2006/relationships" xmlns:p="http://schemas.openxmlformats.org/presentationml/2006/main">
   <p:cSld>
     <p:spTree>
@@ -6969,7 +6740,7 @@
 </p:sld>
 </file>
 
-<file path=ppt/slides/slide18.xml><?xml version="1.0" encoding="utf-8"?>
+<file path=ppt/slides/slide17.xml><?xml version="1.0" encoding="utf-8"?>
 <p:sld xmlns:a="http://schemas.openxmlformats.org/drawingml/2006/main" xmlns:r="http://schemas.openxmlformats.org/officeDocument/2006/relationships" xmlns:p="http://schemas.openxmlformats.org/presentationml/2006/main">
   <p:cSld>
     <p:spTree>
@@ -7205,7 +6976,7 @@
 </p:sld>
 </file>
 
-<file path=ppt/slides/slide19.xml><?xml version="1.0" encoding="utf-8"?>
+<file path=ppt/slides/slide18.xml><?xml version="1.0" encoding="utf-8"?>
 <p:sld xmlns:a="http://schemas.openxmlformats.org/drawingml/2006/main" xmlns:r="http://schemas.openxmlformats.org/officeDocument/2006/relationships" xmlns:p="http://schemas.openxmlformats.org/presentationml/2006/main">
   <p:cSld>
     <p:spTree>
@@ -7349,7 +7120,7 @@
             </a:pPr>
             <a:r>
               <a:rPr lang="de-DE" dirty="0"/>
-              <a:t>4. Lege die selbe Tabelle als </a:t>
+              <a:t>4. Lege dieselbe Tabelle als </a:t>
             </a:r>
             <a:r>
               <a:rPr lang="de-DE" b="1" dirty="0"/>
@@ -7391,6 +7162,235 @@
     <p:extLst>
       <p:ext uri="{BB962C8B-B14F-4D97-AF65-F5344CB8AC3E}">
         <p14:creationId xmlns:p14="http://schemas.microsoft.com/office/powerpoint/2010/main" val="2924150751"/>
+      </p:ext>
+    </p:extLst>
+  </p:cSld>
+  <p:clrMapOvr>
+    <a:masterClrMapping/>
+  </p:clrMapOvr>
+</p:sld>
+</file>
+
+<file path=ppt/slides/slide19.xml><?xml version="1.0" encoding="utf-8"?>
+<p:sld xmlns:a="http://schemas.openxmlformats.org/drawingml/2006/main" xmlns:r="http://schemas.openxmlformats.org/officeDocument/2006/relationships" xmlns:p="http://schemas.openxmlformats.org/presentationml/2006/main">
+  <p:cSld>
+    <p:spTree>
+      <p:nvGrpSpPr>
+        <p:cNvPr id="1" name=""/>
+        <p:cNvGrpSpPr/>
+        <p:nvPr/>
+      </p:nvGrpSpPr>
+      <p:grpSpPr>
+        <a:xfrm>
+          <a:off x="0" y="0"/>
+          <a:ext cx="0" cy="0"/>
+          <a:chOff x="0" y="0"/>
+          <a:chExt cx="0" cy="0"/>
+        </a:xfrm>
+      </p:grpSpPr>
+      <p:sp>
+        <p:nvSpPr>
+          <p:cNvPr id="2" name="Titel 1">
+            <a:extLst>
+              <a:ext uri="{FF2B5EF4-FFF2-40B4-BE49-F238E27FC236}">
+                <a16:creationId xmlns:a16="http://schemas.microsoft.com/office/drawing/2014/main" id="{761EBB4E-B0D7-D063-22CC-B86BE9151634}"/>
+              </a:ext>
+            </a:extLst>
+          </p:cNvPr>
+          <p:cNvSpPr>
+            <a:spLocks noGrp="1"/>
+          </p:cNvSpPr>
+          <p:nvPr>
+            <p:ph type="title"/>
+          </p:nvPr>
+        </p:nvSpPr>
+        <p:spPr>
+          <a:xfrm>
+            <a:off x="1089426" y="690773"/>
+            <a:ext cx="8915402" cy="1371600"/>
+          </a:xfrm>
+        </p:spPr>
+        <p:txBody>
+          <a:bodyPr/>
+          <a:lstStyle/>
+          <a:p>
+            <a:r>
+              <a:rPr lang="de-AT" dirty="0"/>
+              <a:t>Übung zu Array Methoden „Rangliste“</a:t>
+            </a:r>
+          </a:p>
+        </p:txBody>
+      </p:sp>
+      <p:sp>
+        <p:nvSpPr>
+          <p:cNvPr id="3" name="Inhaltsplatzhalter 2">
+            <a:extLst>
+              <a:ext uri="{FF2B5EF4-FFF2-40B4-BE49-F238E27FC236}">
+                <a16:creationId xmlns:a16="http://schemas.microsoft.com/office/drawing/2014/main" id="{186E00EF-F784-0D95-4D63-29339C897CE0}"/>
+              </a:ext>
+            </a:extLst>
+          </p:cNvPr>
+          <p:cNvSpPr>
+            <a:spLocks noGrp="1"/>
+          </p:cNvSpPr>
+          <p:nvPr>
+            <p:ph idx="1"/>
+          </p:nvPr>
+        </p:nvSpPr>
+        <p:spPr>
+          <a:xfrm>
+            <a:off x="906011" y="2057400"/>
+            <a:ext cx="7491369" cy="4137259"/>
+          </a:xfrm>
+        </p:spPr>
+        <p:txBody>
+          <a:bodyPr>
+            <a:normAutofit fontScale="92500" lnSpcReduction="10000"/>
+          </a:bodyPr>
+          <a:lstStyle/>
+          <a:p>
+            <a:r>
+              <a:rPr lang="de-AT" dirty="0"/>
+              <a:t>Verwende die </a:t>
+            </a:r>
+            <a:r>
+              <a:rPr lang="de-AT" dirty="0" err="1"/>
+              <a:t>forEach</a:t>
+            </a:r>
+            <a:r>
+              <a:rPr lang="de-AT" dirty="0"/>
+              <a:t>-Methode, um jeden Teilnehmer und seine Punktzahl auszugeben.</a:t>
+            </a:r>
+          </a:p>
+          <a:p>
+            <a:r>
+              <a:rPr lang="de-AT" dirty="0"/>
+              <a:t>Verwende die </a:t>
+            </a:r>
+            <a:r>
+              <a:rPr lang="de-AT" dirty="0" err="1"/>
+              <a:t>map</a:t>
+            </a:r>
+            <a:r>
+              <a:rPr lang="de-AT" dirty="0"/>
+              <a:t>-Methode, um ein neues Array zu erstellen, das nur die Namen der Teilnehmer enthält.</a:t>
+            </a:r>
+          </a:p>
+          <a:p>
+            <a:r>
+              <a:rPr lang="de-AT" dirty="0"/>
+              <a:t>Verwende die filter-Methode, um ein neues Array zu erstellen, das nur die Teilnehmer enthält, die mehr als 100 Punkte haben.</a:t>
+            </a:r>
+          </a:p>
+          <a:p>
+            <a:r>
+              <a:rPr lang="de-AT" dirty="0"/>
+              <a:t>Verwende die </a:t>
+            </a:r>
+            <a:r>
+              <a:rPr lang="de-AT" dirty="0" err="1"/>
+              <a:t>sort</a:t>
+            </a:r>
+            <a:r>
+              <a:rPr lang="de-AT" dirty="0"/>
+              <a:t>-Methode, um die Liste der Teilnehmer nach ihren Punktzahlen zu sortieren (aufsteigend).</a:t>
+            </a:r>
+          </a:p>
+          <a:p>
+            <a:r>
+              <a:rPr lang="de-AT" dirty="0"/>
+              <a:t>Verwende die reverse-Methode, um die Liste in absteigender Reihenfolge zu sortieren.</a:t>
+            </a:r>
+          </a:p>
+          <a:p>
+            <a:r>
+              <a:rPr lang="de-AT" dirty="0"/>
+              <a:t>Gib die sortierte Rangliste aus, die sowohl den Namen als auch die Punktzahl jedes Teilnehmers enthält.</a:t>
+            </a:r>
+          </a:p>
+        </p:txBody>
+      </p:sp>
+      <p:pic>
+        <p:nvPicPr>
+          <p:cNvPr id="3083" name="Picture 11" descr="Leaderboard Images – Browse 58,207 Stock Photos, Vectors, and Video | Adobe  Stock">
+            <a:extLst>
+              <a:ext uri="{FF2B5EF4-FFF2-40B4-BE49-F238E27FC236}">
+                <a16:creationId xmlns:a16="http://schemas.microsoft.com/office/drawing/2014/main" id="{86100648-A41D-3752-3551-4ACE1189BE43}"/>
+              </a:ext>
+            </a:extLst>
+          </p:cNvPr>
+          <p:cNvPicPr>
+            <a:picLocks noChangeAspect="1" noChangeArrowheads="1"/>
+          </p:cNvPicPr>
+          <p:nvPr/>
+        </p:nvPicPr>
+        <p:blipFill>
+          <a:blip r:embed="rId2">
+            <a:extLst>
+              <a:ext uri="{28A0092B-C50C-407E-A947-70E740481C1C}">
+                <a14:useLocalDpi xmlns:a14="http://schemas.microsoft.com/office/drawing/2010/main" val="0"/>
+              </a:ext>
+            </a:extLst>
+          </a:blip>
+          <a:srcRect/>
+          <a:stretch>
+            <a:fillRect/>
+          </a:stretch>
+        </p:blipFill>
+        <p:spPr bwMode="auto">
+          <a:xfrm>
+            <a:off x="8571116" y="3429000"/>
+            <a:ext cx="2935224" cy="2935224"/>
+          </a:xfrm>
+          <a:prstGeom prst="rect">
+            <a:avLst/>
+          </a:prstGeom>
+          <a:noFill/>
+          <a:extLst>
+            <a:ext uri="{909E8E84-426E-40DD-AFC4-6F175D3DCCD1}">
+              <a14:hiddenFill xmlns:a14="http://schemas.microsoft.com/office/drawing/2010/main">
+                <a:solidFill>
+                  <a:srgbClr val="FFFFFF"/>
+                </a:solidFill>
+              </a14:hiddenFill>
+            </a:ext>
+          </a:extLst>
+        </p:spPr>
+      </p:pic>
+      <p:pic>
+        <p:nvPicPr>
+          <p:cNvPr id="7" name="Grafik 6">
+            <a:extLst>
+              <a:ext uri="{FF2B5EF4-FFF2-40B4-BE49-F238E27FC236}">
+                <a16:creationId xmlns:a16="http://schemas.microsoft.com/office/drawing/2014/main" id="{EA4B9EE0-7F22-F187-AAF9-B54E5FF1693A}"/>
+              </a:ext>
+            </a:extLst>
+          </p:cNvPr>
+          <p:cNvPicPr>
+            <a:picLocks noChangeAspect="1"/>
+          </p:cNvPicPr>
+          <p:nvPr/>
+        </p:nvPicPr>
+        <p:blipFill>
+          <a:blip r:embed="rId3"/>
+          <a:stretch>
+            <a:fillRect/>
+          </a:stretch>
+        </p:blipFill>
+        <p:spPr>
+          <a:xfrm>
+            <a:off x="8571116" y="2057400"/>
+            <a:ext cx="2867425" cy="1657581"/>
+          </a:xfrm>
+          <a:prstGeom prst="rect">
+            <a:avLst/>
+          </a:prstGeom>
+        </p:spPr>
+      </p:pic>
+    </p:spTree>
+    <p:extLst>
+      <p:ext uri="{BB962C8B-B14F-4D97-AF65-F5344CB8AC3E}">
+        <p14:creationId xmlns:p14="http://schemas.microsoft.com/office/powerpoint/2010/main" val="2615312912"/>
       </p:ext>
     </p:extLst>
   </p:cSld>

--- a/7. Javascript/Slides/JS Arrays und Objekte.pptx
+++ b/7. Javascript/Slides/JS Arrays und Objekte.pptx
@@ -22,8 +22,8 @@
     <p:sldId id="377" r:id="rId16"/>
     <p:sldId id="378" r:id="rId17"/>
     <p:sldId id="379" r:id="rId18"/>
-    <p:sldId id="404" r:id="rId19"/>
-    <p:sldId id="412" r:id="rId20"/>
+    <p:sldId id="412" r:id="rId19"/>
+    <p:sldId id="404" r:id="rId20"/>
     <p:sldId id="406" r:id="rId21"/>
     <p:sldId id="407" r:id="rId22"/>
     <p:sldId id="292" r:id="rId23"/>
@@ -6995,201 +6995,6 @@
       </p:grpSpPr>
       <p:sp>
         <p:nvSpPr>
-          <p:cNvPr id="2" name="Titel 1"/>
-          <p:cNvSpPr>
-            <a:spLocks noGrp="1"/>
-          </p:cNvSpPr>
-          <p:nvPr>
-            <p:ph type="title"/>
-          </p:nvPr>
-        </p:nvSpPr>
-        <p:spPr>
-          <a:xfrm>
-            <a:off x="1066800" y="685800"/>
-            <a:ext cx="8915402" cy="1371600"/>
-          </a:xfrm>
-        </p:spPr>
-        <p:txBody>
-          <a:bodyPr/>
-          <a:lstStyle/>
-          <a:p>
-            <a:r>
-              <a:rPr lang="de-AT" dirty="0"/>
-              <a:t>Übungen zu Arrays &amp; Objekte</a:t>
-            </a:r>
-            <a:endParaRPr lang="en-US" dirty="0"/>
-          </a:p>
-        </p:txBody>
-      </p:sp>
-      <p:sp>
-        <p:nvSpPr>
-          <p:cNvPr id="3" name="Inhaltsplatzhalter 2"/>
-          <p:cNvSpPr>
-            <a:spLocks noGrp="1"/>
-          </p:cNvSpPr>
-          <p:nvPr>
-            <p:ph idx="1"/>
-          </p:nvPr>
-        </p:nvSpPr>
-        <p:spPr>
-          <a:xfrm>
-            <a:off x="1066800" y="2057400"/>
-            <a:ext cx="7327388" cy="4137259"/>
-          </a:xfrm>
-        </p:spPr>
-        <p:txBody>
-          <a:bodyPr>
-            <a:normAutofit fontScale="92500" lnSpcReduction="20000"/>
-          </a:bodyPr>
-          <a:lstStyle/>
-          <a:p>
-            <a:pPr marL="0" indent="0">
-              <a:buNone/>
-            </a:pPr>
-            <a:r>
-              <a:rPr lang="de-DE" dirty="0"/>
-              <a:t>1. Definiere die Wochentage in einem </a:t>
-            </a:r>
-            <a:r>
-              <a:rPr lang="de-DE" b="1" dirty="0"/>
-              <a:t>Array</a:t>
-            </a:r>
-            <a:r>
-              <a:rPr lang="de-DE" dirty="0"/>
-              <a:t>, lese vom Nutzer eine Zahl von 1-7 ein und gib den entsprechenden Wochentag aus dem Array aus.</a:t>
-            </a:r>
-          </a:p>
-          <a:p>
-            <a:pPr marL="0" indent="0">
-              <a:buNone/>
-            </a:pPr>
-            <a:r>
-              <a:rPr lang="de-DE" dirty="0"/>
-              <a:t>2. Definiere ein </a:t>
-            </a:r>
-            <a:r>
-              <a:rPr lang="de-DE" b="1" dirty="0"/>
-              <a:t>Objekt </a:t>
-            </a:r>
-            <a:r>
-              <a:rPr lang="de-DE" dirty="0"/>
-              <a:t>mit diversen Daten eures </a:t>
-            </a:r>
-            <a:r>
-              <a:rPr lang="de-DE" dirty="0" err="1"/>
-              <a:t>lieblings</a:t>
-            </a:r>
-            <a:r>
-              <a:rPr lang="de-DE" dirty="0"/>
-              <a:t> Fahrzeugs (Auto, Motorrad, Fahrrad, ...), dabei sollten verschiedene Datentypen verwendet werden. Gebt die Daten mit einem Template </a:t>
-            </a:r>
-            <a:r>
-              <a:rPr lang="de-DE" dirty="0" err="1"/>
-              <a:t>Literal</a:t>
-            </a:r>
-            <a:r>
-              <a:rPr lang="de-DE" dirty="0"/>
-              <a:t> schön formatiert aus.</a:t>
-            </a:r>
-          </a:p>
-          <a:p>
-            <a:pPr marL="0" indent="0">
-              <a:buNone/>
-            </a:pPr>
-            <a:r>
-              <a:rPr lang="de-DE" dirty="0"/>
-              <a:t>3. Definiere die abgebildete Tabelle als </a:t>
-            </a:r>
-            <a:r>
-              <a:rPr lang="de-DE" b="1" dirty="0"/>
-              <a:t>zweidimensionales Array </a:t>
-            </a:r>
-            <a:r>
-              <a:rPr lang="de-DE" dirty="0"/>
-              <a:t>und lass den Benutzer eine Zeilen und Spaltennummer angeben, gib den gewünschten Wert </a:t>
-            </a:r>
-            <a:r>
-              <a:rPr lang="en-US" dirty="0" err="1"/>
-              <a:t>aus.</a:t>
-            </a:r>
-            <a:endParaRPr lang="en-US" dirty="0"/>
-          </a:p>
-          <a:p>
-            <a:pPr marL="0" indent="0">
-              <a:buNone/>
-            </a:pPr>
-            <a:r>
-              <a:rPr lang="de-DE" dirty="0"/>
-              <a:t>4. Lege dieselbe Tabelle als </a:t>
-            </a:r>
-            <a:r>
-              <a:rPr lang="de-DE" b="1" dirty="0"/>
-              <a:t>Array von Objekten </a:t>
-            </a:r>
-            <a:r>
-              <a:rPr lang="de-DE" dirty="0"/>
-              <a:t>an, wobei die Spaltennamen die Schlüssel in den Objekten darstellen. Lass den Nutzer eine Zeilennummer und den Namen einer Spalte angeben, gib den gewünschten Wert aus.</a:t>
-            </a:r>
-            <a:endParaRPr lang="en-US" dirty="0"/>
-          </a:p>
-        </p:txBody>
-      </p:sp>
-      <p:pic>
-        <p:nvPicPr>
-          <p:cNvPr id="4" name="Grafik 3"/>
-          <p:cNvPicPr>
-            <a:picLocks noChangeAspect="1"/>
-          </p:cNvPicPr>
-          <p:nvPr/>
-        </p:nvPicPr>
-        <p:blipFill>
-          <a:blip r:embed="rId2"/>
-          <a:stretch>
-            <a:fillRect/>
-          </a:stretch>
-        </p:blipFill>
-        <p:spPr>
-          <a:xfrm>
-            <a:off x="8394188" y="2057400"/>
-            <a:ext cx="3692770" cy="1230923"/>
-          </a:xfrm>
-          <a:prstGeom prst="rect">
-            <a:avLst/>
-          </a:prstGeom>
-        </p:spPr>
-      </p:pic>
-    </p:spTree>
-    <p:extLst>
-      <p:ext uri="{BB962C8B-B14F-4D97-AF65-F5344CB8AC3E}">
-        <p14:creationId xmlns:p14="http://schemas.microsoft.com/office/powerpoint/2010/main" val="2924150751"/>
-      </p:ext>
-    </p:extLst>
-  </p:cSld>
-  <p:clrMapOvr>
-    <a:masterClrMapping/>
-  </p:clrMapOvr>
-</p:sld>
-</file>
-
-<file path=ppt/slides/slide19.xml><?xml version="1.0" encoding="utf-8"?>
-<p:sld xmlns:a="http://schemas.openxmlformats.org/drawingml/2006/main" xmlns:r="http://schemas.openxmlformats.org/officeDocument/2006/relationships" xmlns:p="http://schemas.openxmlformats.org/presentationml/2006/main">
-  <p:cSld>
-    <p:spTree>
-      <p:nvGrpSpPr>
-        <p:cNvPr id="1" name=""/>
-        <p:cNvGrpSpPr/>
-        <p:nvPr/>
-      </p:nvGrpSpPr>
-      <p:grpSpPr>
-        <a:xfrm>
-          <a:off x="0" y="0"/>
-          <a:ext cx="0" cy="0"/>
-          <a:chOff x="0" y="0"/>
-          <a:chExt cx="0" cy="0"/>
-        </a:xfrm>
-      </p:grpSpPr>
-      <p:sp>
-        <p:nvSpPr>
           <p:cNvPr id="2" name="Titel 1">
             <a:extLst>
               <a:ext uri="{FF2B5EF4-FFF2-40B4-BE49-F238E27FC236}">
@@ -7391,6 +7196,201 @@
     <p:extLst>
       <p:ext uri="{BB962C8B-B14F-4D97-AF65-F5344CB8AC3E}">
         <p14:creationId xmlns:p14="http://schemas.microsoft.com/office/powerpoint/2010/main" val="2615312912"/>
+      </p:ext>
+    </p:extLst>
+  </p:cSld>
+  <p:clrMapOvr>
+    <a:masterClrMapping/>
+  </p:clrMapOvr>
+</p:sld>
+</file>
+
+<file path=ppt/slides/slide19.xml><?xml version="1.0" encoding="utf-8"?>
+<p:sld xmlns:a="http://schemas.openxmlformats.org/drawingml/2006/main" xmlns:r="http://schemas.openxmlformats.org/officeDocument/2006/relationships" xmlns:p="http://schemas.openxmlformats.org/presentationml/2006/main">
+  <p:cSld>
+    <p:spTree>
+      <p:nvGrpSpPr>
+        <p:cNvPr id="1" name=""/>
+        <p:cNvGrpSpPr/>
+        <p:nvPr/>
+      </p:nvGrpSpPr>
+      <p:grpSpPr>
+        <a:xfrm>
+          <a:off x="0" y="0"/>
+          <a:ext cx="0" cy="0"/>
+          <a:chOff x="0" y="0"/>
+          <a:chExt cx="0" cy="0"/>
+        </a:xfrm>
+      </p:grpSpPr>
+      <p:sp>
+        <p:nvSpPr>
+          <p:cNvPr id="2" name="Titel 1"/>
+          <p:cNvSpPr>
+            <a:spLocks noGrp="1"/>
+          </p:cNvSpPr>
+          <p:nvPr>
+            <p:ph type="title"/>
+          </p:nvPr>
+        </p:nvSpPr>
+        <p:spPr>
+          <a:xfrm>
+            <a:off x="1066800" y="685800"/>
+            <a:ext cx="8915402" cy="1371600"/>
+          </a:xfrm>
+        </p:spPr>
+        <p:txBody>
+          <a:bodyPr/>
+          <a:lstStyle/>
+          <a:p>
+            <a:r>
+              <a:rPr lang="de-AT" dirty="0"/>
+              <a:t>Übungen zu Arrays &amp; Objekte</a:t>
+            </a:r>
+            <a:endParaRPr lang="en-US" dirty="0"/>
+          </a:p>
+        </p:txBody>
+      </p:sp>
+      <p:sp>
+        <p:nvSpPr>
+          <p:cNvPr id="3" name="Inhaltsplatzhalter 2"/>
+          <p:cNvSpPr>
+            <a:spLocks noGrp="1"/>
+          </p:cNvSpPr>
+          <p:nvPr>
+            <p:ph idx="1"/>
+          </p:nvPr>
+        </p:nvSpPr>
+        <p:spPr>
+          <a:xfrm>
+            <a:off x="1066800" y="2057400"/>
+            <a:ext cx="7327388" cy="4137259"/>
+          </a:xfrm>
+        </p:spPr>
+        <p:txBody>
+          <a:bodyPr>
+            <a:normAutofit fontScale="92500" lnSpcReduction="20000"/>
+          </a:bodyPr>
+          <a:lstStyle/>
+          <a:p>
+            <a:pPr marL="0" indent="0">
+              <a:buNone/>
+            </a:pPr>
+            <a:r>
+              <a:rPr lang="de-DE" dirty="0"/>
+              <a:t>1. Definiere die Wochentage in einem </a:t>
+            </a:r>
+            <a:r>
+              <a:rPr lang="de-DE" b="1" dirty="0"/>
+              <a:t>Array</a:t>
+            </a:r>
+            <a:r>
+              <a:rPr lang="de-DE" dirty="0"/>
+              <a:t>, lese vom Nutzer eine Zahl von 1-7 ein und gib den entsprechenden Wochentag aus dem Array aus.</a:t>
+            </a:r>
+          </a:p>
+          <a:p>
+            <a:pPr marL="0" indent="0">
+              <a:buNone/>
+            </a:pPr>
+            <a:r>
+              <a:rPr lang="de-DE" dirty="0"/>
+              <a:t>2. Definiere ein </a:t>
+            </a:r>
+            <a:r>
+              <a:rPr lang="de-DE" b="1" dirty="0"/>
+              <a:t>Objekt </a:t>
+            </a:r>
+            <a:r>
+              <a:rPr lang="de-DE" dirty="0"/>
+              <a:t>mit diversen Daten eures </a:t>
+            </a:r>
+            <a:r>
+              <a:rPr lang="de-DE" dirty="0" err="1"/>
+              <a:t>lieblings</a:t>
+            </a:r>
+            <a:r>
+              <a:rPr lang="de-DE" dirty="0"/>
+              <a:t> Fahrzeugs (Auto, Motorrad, Fahrrad, ...), dabei sollten verschiedene Datentypen verwendet werden. Gebt die Daten mit einem Template </a:t>
+            </a:r>
+            <a:r>
+              <a:rPr lang="de-DE" dirty="0" err="1"/>
+              <a:t>Literal</a:t>
+            </a:r>
+            <a:r>
+              <a:rPr lang="de-DE" dirty="0"/>
+              <a:t> schön formatiert aus.</a:t>
+            </a:r>
+          </a:p>
+          <a:p>
+            <a:pPr marL="0" indent="0">
+              <a:buNone/>
+            </a:pPr>
+            <a:r>
+              <a:rPr lang="de-DE" dirty="0"/>
+              <a:t>3. Definiere die abgebildete Tabelle als </a:t>
+            </a:r>
+            <a:r>
+              <a:rPr lang="de-DE" b="1" dirty="0"/>
+              <a:t>zweidimensionales Array </a:t>
+            </a:r>
+            <a:r>
+              <a:rPr lang="de-DE" dirty="0"/>
+              <a:t>und lass den Benutzer eine Zeilen und Spaltennummer angeben, gib den gewünschten Wert </a:t>
+            </a:r>
+            <a:r>
+              <a:rPr lang="en-US" dirty="0" err="1"/>
+              <a:t>aus.</a:t>
+            </a:r>
+            <a:endParaRPr lang="en-US" dirty="0"/>
+          </a:p>
+          <a:p>
+            <a:pPr marL="0" indent="0">
+              <a:buNone/>
+            </a:pPr>
+            <a:r>
+              <a:rPr lang="de-DE" dirty="0"/>
+              <a:t>4. Lege dieselbe Tabelle als </a:t>
+            </a:r>
+            <a:r>
+              <a:rPr lang="de-DE" b="1" dirty="0"/>
+              <a:t>Array von Objekten </a:t>
+            </a:r>
+            <a:r>
+              <a:rPr lang="de-DE" dirty="0"/>
+              <a:t>an, wobei die Spaltennamen die Schlüssel in den Objekten darstellen. Lass den Nutzer eine Zeilennummer und den Namen einer Spalte angeben, gib den gewünschten Wert aus.</a:t>
+            </a:r>
+            <a:endParaRPr lang="en-US" dirty="0"/>
+          </a:p>
+        </p:txBody>
+      </p:sp>
+      <p:pic>
+        <p:nvPicPr>
+          <p:cNvPr id="4" name="Grafik 3"/>
+          <p:cNvPicPr>
+            <a:picLocks noChangeAspect="1"/>
+          </p:cNvPicPr>
+          <p:nvPr/>
+        </p:nvPicPr>
+        <p:blipFill>
+          <a:blip r:embed="rId2"/>
+          <a:stretch>
+            <a:fillRect/>
+          </a:stretch>
+        </p:blipFill>
+        <p:spPr>
+          <a:xfrm>
+            <a:off x="8394188" y="2057400"/>
+            <a:ext cx="3692770" cy="1230923"/>
+          </a:xfrm>
+          <a:prstGeom prst="rect">
+            <a:avLst/>
+          </a:prstGeom>
+        </p:spPr>
+      </p:pic>
+    </p:spTree>
+    <p:extLst>
+      <p:ext uri="{BB962C8B-B14F-4D97-AF65-F5344CB8AC3E}">
+        <p14:creationId xmlns:p14="http://schemas.microsoft.com/office/powerpoint/2010/main" val="2924150751"/>
       </p:ext>
     </p:extLst>
   </p:cSld>
